--- a/content/2016/09/10/jpegicc.pptx
+++ b/content/2016/09/10/jpegicc.pptx
@@ -291,7 +291,7 @@
           <a:p>
             <a:fld id="{BC28BB13-6717-B241-AE4A-17CB0C99707E}" type="datetimeFigureOut">
               <a:rPr kumimoji="1" lang="ja-JP" altLang="en-US" smtClean="0"/>
-              <a:t>16/09/11</a:t>
+              <a:t>16/09/16</a:t>
             </a:fld>
             <a:endParaRPr kumimoji="1" lang="ja-JP" altLang="en-US"/>
           </a:p>
@@ -493,7 +493,7 @@
           <a:p>
             <a:fld id="{BC28BB13-6717-B241-AE4A-17CB0C99707E}" type="datetimeFigureOut">
               <a:rPr kumimoji="1" lang="ja-JP" altLang="en-US" smtClean="0"/>
-              <a:t>16/09/11</a:t>
+              <a:t>16/09/16</a:t>
             </a:fld>
             <a:endParaRPr kumimoji="1" lang="ja-JP" altLang="en-US"/>
           </a:p>
@@ -705,7 +705,7 @@
           <a:p>
             <a:fld id="{BC28BB13-6717-B241-AE4A-17CB0C99707E}" type="datetimeFigureOut">
               <a:rPr kumimoji="1" lang="ja-JP" altLang="en-US" smtClean="0"/>
-              <a:t>16/09/11</a:t>
+              <a:t>16/09/16</a:t>
             </a:fld>
             <a:endParaRPr kumimoji="1" lang="ja-JP" altLang="en-US"/>
           </a:p>
@@ -907,7 +907,7 @@
           <a:p>
             <a:fld id="{BC28BB13-6717-B241-AE4A-17CB0C99707E}" type="datetimeFigureOut">
               <a:rPr kumimoji="1" lang="ja-JP" altLang="en-US" smtClean="0"/>
-              <a:t>16/09/11</a:t>
+              <a:t>16/09/16</a:t>
             </a:fld>
             <a:endParaRPr kumimoji="1" lang="ja-JP" altLang="en-US"/>
           </a:p>
@@ -1153,7 +1153,7 @@
           <a:p>
             <a:fld id="{BC28BB13-6717-B241-AE4A-17CB0C99707E}" type="datetimeFigureOut">
               <a:rPr kumimoji="1" lang="ja-JP" altLang="en-US" smtClean="0"/>
-              <a:t>16/09/11</a:t>
+              <a:t>16/09/16</a:t>
             </a:fld>
             <a:endParaRPr kumimoji="1" lang="ja-JP" altLang="en-US"/>
           </a:p>
@@ -1505,7 +1505,7 @@
           <a:p>
             <a:fld id="{BC28BB13-6717-B241-AE4A-17CB0C99707E}" type="datetimeFigureOut">
               <a:rPr kumimoji="1" lang="ja-JP" altLang="en-US" smtClean="0"/>
-              <a:t>16/09/11</a:t>
+              <a:t>16/09/16</a:t>
             </a:fld>
             <a:endParaRPr kumimoji="1" lang="ja-JP" altLang="en-US"/>
           </a:p>
@@ -1991,7 +1991,7 @@
           <a:p>
             <a:fld id="{BC28BB13-6717-B241-AE4A-17CB0C99707E}" type="datetimeFigureOut">
               <a:rPr kumimoji="1" lang="ja-JP" altLang="en-US" smtClean="0"/>
-              <a:t>16/09/11</a:t>
+              <a:t>16/09/16</a:t>
             </a:fld>
             <a:endParaRPr kumimoji="1" lang="ja-JP" altLang="en-US"/>
           </a:p>
@@ -2109,7 +2109,7 @@
           <a:p>
             <a:fld id="{BC28BB13-6717-B241-AE4A-17CB0C99707E}" type="datetimeFigureOut">
               <a:rPr kumimoji="1" lang="ja-JP" altLang="en-US" smtClean="0"/>
-              <a:t>16/09/11</a:t>
+              <a:t>16/09/16</a:t>
             </a:fld>
             <a:endParaRPr kumimoji="1" lang="ja-JP" altLang="en-US"/>
           </a:p>
@@ -2204,7 +2204,7 @@
           <a:p>
             <a:fld id="{BC28BB13-6717-B241-AE4A-17CB0C99707E}" type="datetimeFigureOut">
               <a:rPr kumimoji="1" lang="ja-JP" altLang="en-US" smtClean="0"/>
-              <a:t>16/09/11</a:t>
+              <a:t>16/09/16</a:t>
             </a:fld>
             <a:endParaRPr kumimoji="1" lang="ja-JP" altLang="en-US"/>
           </a:p>
@@ -2513,7 +2513,7 @@
           <a:p>
             <a:fld id="{BC28BB13-6717-B241-AE4A-17CB0C99707E}" type="datetimeFigureOut">
               <a:rPr kumimoji="1" lang="ja-JP" altLang="en-US" smtClean="0"/>
-              <a:t>16/09/11</a:t>
+              <a:t>16/09/16</a:t>
             </a:fld>
             <a:endParaRPr kumimoji="1" lang="ja-JP" altLang="en-US"/>
           </a:p>
@@ -2766,7 +2766,7 @@
           <a:p>
             <a:fld id="{BC28BB13-6717-B241-AE4A-17CB0C99707E}" type="datetimeFigureOut">
               <a:rPr kumimoji="1" lang="ja-JP" altLang="en-US" smtClean="0"/>
-              <a:t>16/09/11</a:t>
+              <a:t>16/09/16</a:t>
             </a:fld>
             <a:endParaRPr kumimoji="1" lang="ja-JP" altLang="en-US"/>
           </a:p>
@@ -3011,7 +3011,7 @@
           <a:p>
             <a:fld id="{BC28BB13-6717-B241-AE4A-17CB0C99707E}" type="datetimeFigureOut">
               <a:rPr kumimoji="1" lang="ja-JP" altLang="en-US" smtClean="0"/>
-              <a:t>16/09/11</a:t>
+              <a:t>16/09/16</a:t>
             </a:fld>
             <a:endParaRPr kumimoji="1" lang="ja-JP" altLang="en-US"/>
           </a:p>
